--- a/au211521205087_TNSDC_GENAI_PRESENTATION (1).pptx
+++ b/au211521205087_TNSDC_GENAI_PRESENTATION (1).pptx
@@ -19,6 +19,7 @@
     <p:sldId id="264" r:id="rId13"/>
     <p:sldId id="269" r:id="rId14"/>
     <p:sldId id="265" r:id="rId15"/>
+    <p:sldId id="271" r:id="rId16"/>
   </p:sldIdLst>
   <p:sldSz cx="12192000" cy="6858000"/>
   <p:notesSz cx="12192000" cy="6858000"/>
@@ -119,7 +120,7 @@
   </p:defaultTextStyle>
   <p:extLst>
     <p:ext uri="{EFAFB233-063F-42B5-8137-9DF3F51BA10A}">
-      <p15:sldGuideLst xmlns:p15="http://schemas.microsoft.com/office/powerpoint/2012/main">
+      <p15:sldGuideLst xmlns:p15="http://schemas.microsoft.com/office/powerpoint/2012/main" xmlns="">
         <p15:guide id="1" orient="horz" pos="2880">
           <p15:clr>
             <a:srgbClr val="A4A3A4"/>
@@ -281,7 +282,8 @@
           <a:p>
             <a:fld id="{1D8BD707-D9CF-40AE-B4C6-C98DA3205C09}" type="datetimeFigureOut">
               <a:rPr lang="en-US"/>
-              <a:t>4/5/2024</a:t>
+              <a:pPr/>
+              <a:t>5/10/2024</a:t>
             </a:fld>
             <a:endParaRPr lang="en-US"/>
           </a:p>
@@ -322,6 +324,14 @@
             </a:pPr>
             <a:fld id="{81D60167-4931-47E6-BA6A-407CBD079E47}" type="slidenum">
               <a:rPr spc="10" dirty="0"/>
+              <a:pPr marL="38100">
+                <a:lnSpc>
+                  <a:spcPct val="100000"/>
+                </a:lnSpc>
+                <a:spcBef>
+                  <a:spcPts val="55"/>
+                </a:spcBef>
+              </a:pPr>
               <a:t>‹#›</a:t>
             </a:fld>
             <a:endParaRPr spc="10" dirty="0"/>
@@ -461,7 +471,8 @@
           <a:p>
             <a:fld id="{1D8BD707-D9CF-40AE-B4C6-C98DA3205C09}" type="datetimeFigureOut">
               <a:rPr lang="en-US"/>
-              <a:t>4/5/2024</a:t>
+              <a:pPr/>
+              <a:t>5/10/2024</a:t>
             </a:fld>
             <a:endParaRPr lang="en-US"/>
           </a:p>
@@ -502,6 +513,14 @@
             </a:pPr>
             <a:fld id="{81D60167-4931-47E6-BA6A-407CBD079E47}" type="slidenum">
               <a:rPr spc="10" dirty="0"/>
+              <a:pPr marL="38100">
+                <a:lnSpc>
+                  <a:spcPct val="100000"/>
+                </a:lnSpc>
+                <a:spcBef>
+                  <a:spcPts val="55"/>
+                </a:spcBef>
+              </a:pPr>
               <a:t>‹#›</a:t>
             </a:fld>
             <a:endParaRPr spc="10" dirty="0"/>
@@ -684,7 +703,8 @@
           <a:p>
             <a:fld id="{1D8BD707-D9CF-40AE-B4C6-C98DA3205C09}" type="datetimeFigureOut">
               <a:rPr lang="en-US"/>
-              <a:t>4/5/2024</a:t>
+              <a:pPr/>
+              <a:t>5/10/2024</a:t>
             </a:fld>
             <a:endParaRPr lang="en-US"/>
           </a:p>
@@ -725,6 +745,14 @@
             </a:pPr>
             <a:fld id="{81D60167-4931-47E6-BA6A-407CBD079E47}" type="slidenum">
               <a:rPr spc="10" dirty="0"/>
+              <a:pPr marL="38100">
+                <a:lnSpc>
+                  <a:spcPct val="100000"/>
+                </a:lnSpc>
+                <a:spcBef>
+                  <a:spcPts val="55"/>
+                </a:spcBef>
+              </a:pPr>
               <a:t>‹#›</a:t>
             </a:fld>
             <a:endParaRPr spc="10" dirty="0"/>
@@ -841,7 +869,8 @@
           <a:p>
             <a:fld id="{1D8BD707-D9CF-40AE-B4C6-C98DA3205C09}" type="datetimeFigureOut">
               <a:rPr lang="en-US"/>
-              <a:t>4/5/2024</a:t>
+              <a:pPr/>
+              <a:t>5/10/2024</a:t>
             </a:fld>
             <a:endParaRPr lang="en-US"/>
           </a:p>
@@ -882,6 +911,14 @@
             </a:pPr>
             <a:fld id="{81D60167-4931-47E6-BA6A-407CBD079E47}" type="slidenum">
               <a:rPr spc="10" dirty="0"/>
+              <a:pPr marL="38100">
+                <a:lnSpc>
+                  <a:spcPct val="100000"/>
+                </a:lnSpc>
+                <a:spcBef>
+                  <a:spcPts val="55"/>
+                </a:spcBef>
+              </a:pPr>
               <a:t>‹#›</a:t>
             </a:fld>
             <a:endParaRPr spc="10" dirty="0"/>
@@ -969,7 +1006,8 @@
           <a:p>
             <a:fld id="{1D8BD707-D9CF-40AE-B4C6-C98DA3205C09}" type="datetimeFigureOut">
               <a:rPr lang="en-US"/>
-              <a:t>4/5/2024</a:t>
+              <a:pPr/>
+              <a:t>5/10/2024</a:t>
             </a:fld>
             <a:endParaRPr lang="en-US"/>
           </a:p>
@@ -1010,6 +1048,14 @@
             </a:pPr>
             <a:fld id="{81D60167-4931-47E6-BA6A-407CBD079E47}" type="slidenum">
               <a:rPr spc="10" dirty="0"/>
+              <a:pPr marL="38100">
+                <a:lnSpc>
+                  <a:spcPct val="100000"/>
+                </a:lnSpc>
+                <a:spcBef>
+                  <a:spcPts val="55"/>
+                </a:spcBef>
+              </a:pPr>
               <a:t>‹#›</a:t>
             </a:fld>
             <a:endParaRPr spc="10" dirty="0"/>
@@ -1688,7 +1734,8 @@
           <a:p>
             <a:fld id="{1D8BD707-D9CF-40AE-B4C6-C98DA3205C09}" type="datetimeFigureOut">
               <a:rPr lang="en-US"/>
-              <a:t>4/5/2024</a:t>
+              <a:pPr/>
+              <a:t>5/10/2024</a:t>
             </a:fld>
             <a:endParaRPr lang="en-US"/>
           </a:p>
@@ -1739,6 +1786,14 @@
             </a:pPr>
             <a:fld id="{81D60167-4931-47E6-BA6A-407CBD079E47}" type="slidenum">
               <a:rPr spc="10" dirty="0"/>
+              <a:pPr marL="38100">
+                <a:lnSpc>
+                  <a:spcPct val="100000"/>
+                </a:lnSpc>
+                <a:spcBef>
+                  <a:spcPts val="55"/>
+                </a:spcBef>
+              </a:pPr>
               <a:t>‹#›</a:t>
             </a:fld>
             <a:endParaRPr spc="10" dirty="0"/>
@@ -2487,6 +2542,14 @@
             </a:pPr>
             <a:fld id="{81D60167-4931-47E6-BA6A-407CBD079E47}" type="slidenum">
               <a:rPr spc="10" dirty="0"/>
+              <a:pPr marL="38100">
+                <a:lnSpc>
+                  <a:spcPct val="100000"/>
+                </a:lnSpc>
+                <a:spcBef>
+                  <a:spcPts val="55"/>
+                </a:spcBef>
+              </a:pPr>
               <a:t>1</a:t>
             </a:fld>
             <a:endParaRPr spc="10" dirty="0"/>
@@ -2523,7 +2586,7 @@
           <p:cNvPr id="2" name="TextBox 1">
             <a:extLst>
               <a:ext uri="{FF2B5EF4-FFF2-40B4-BE49-F238E27FC236}">
-                <a16:creationId xmlns:a16="http://schemas.microsoft.com/office/drawing/2014/main" id="{B9A0B61C-61D7-4CA7-5809-FBDDC65849C3}"/>
+                <a16:creationId xmlns:a16="http://schemas.microsoft.com/office/drawing/2014/main" xmlns="" id="{B9A0B61C-61D7-4CA7-5809-FBDDC65849C3}"/>
               </a:ext>
             </a:extLst>
           </p:cNvPr>
@@ -2617,7 +2680,7 @@
     </p:spTree>
     <p:extLst>
       <p:ext uri="{BB962C8B-B14F-4D97-AF65-F5344CB8AC3E}">
-        <p14:creationId xmlns:p14="http://schemas.microsoft.com/office/powerpoint/2010/main" val="918248332"/>
+        <p14:creationId xmlns:p14="http://schemas.microsoft.com/office/powerpoint/2010/main" xmlns="" val="918248332"/>
       </p:ext>
     </p:extLst>
   </p:cSld>
@@ -3099,6 +3162,14 @@
                 <a:latin typeface="Trebuchet MS"/>
                 <a:cs typeface="Trebuchet MS"/>
               </a:rPr>
+              <a:pPr marL="38100">
+                <a:lnSpc>
+                  <a:spcPct val="100000"/>
+                </a:lnSpc>
+                <a:spcBef>
+                  <a:spcPts val="55"/>
+                </a:spcBef>
+              </a:pPr>
               <a:t>11</a:t>
             </a:fld>
             <a:endParaRPr sz="1100">
@@ -3623,6 +3694,14 @@
                 <a:latin typeface="Trebuchet MS"/>
                 <a:cs typeface="Trebuchet MS"/>
               </a:rPr>
+              <a:pPr marL="38100">
+                <a:lnSpc>
+                  <a:spcPct val="100000"/>
+                </a:lnSpc>
+                <a:spcBef>
+                  <a:spcPts val="55"/>
+                </a:spcBef>
+              </a:pPr>
               <a:t>12</a:t>
             </a:fld>
             <a:endParaRPr sz="1100">
@@ -3729,7 +3808,7 @@
           <p:cNvPr id="7" name="TextBox 6">
             <a:extLst>
               <a:ext uri="{FF2B5EF4-FFF2-40B4-BE49-F238E27FC236}">
-                <a16:creationId xmlns:a16="http://schemas.microsoft.com/office/drawing/2014/main" id="{72F45518-4BFF-8609-981D-7A460D4FBB3E}"/>
+                <a16:creationId xmlns:a16="http://schemas.microsoft.com/office/drawing/2014/main" xmlns="" id="{72F45518-4BFF-8609-981D-7A460D4FBB3E}"/>
               </a:ext>
             </a:extLst>
           </p:cNvPr>
@@ -3936,7 +4015,7 @@
           <p:cNvPr id="3" name="Picture 2">
             <a:extLst>
               <a:ext uri="{FF2B5EF4-FFF2-40B4-BE49-F238E27FC236}">
-                <a16:creationId xmlns:a16="http://schemas.microsoft.com/office/drawing/2014/main" id="{5B3E1A1C-F1E1-8421-1DC8-501AF434D5EC}"/>
+                <a16:creationId xmlns:a16="http://schemas.microsoft.com/office/drawing/2014/main" xmlns="" id="{5B3E1A1C-F1E1-8421-1DC8-501AF434D5EC}"/>
               </a:ext>
             </a:extLst>
           </p:cNvPr>
@@ -3949,7 +4028,7 @@
           <a:blip r:embed="rId2" cstate="print">
             <a:extLst>
               <a:ext uri="{28A0092B-C50C-407E-A947-70E740481C1C}">
-                <a14:useLocalDpi xmlns:a14="http://schemas.microsoft.com/office/drawing/2010/main" val="0"/>
+                <a14:useLocalDpi xmlns:a14="http://schemas.microsoft.com/office/drawing/2010/main" xmlns="" val="0"/>
               </a:ext>
             </a:extLst>
           </a:blip>
@@ -3972,7 +4051,7 @@
           <p:cNvPr id="5" name="Picture 4">
             <a:extLst>
               <a:ext uri="{FF2B5EF4-FFF2-40B4-BE49-F238E27FC236}">
-                <a16:creationId xmlns:a16="http://schemas.microsoft.com/office/drawing/2014/main" id="{85E29FB2-27A4-3D4A-27B8-FF82B8ACD332}"/>
+                <a16:creationId xmlns:a16="http://schemas.microsoft.com/office/drawing/2014/main" xmlns="" id="{85E29FB2-27A4-3D4A-27B8-FF82B8ACD332}"/>
               </a:ext>
             </a:extLst>
           </p:cNvPr>
@@ -3985,7 +4064,7 @@
           <a:blip r:embed="rId3">
             <a:extLst>
               <a:ext uri="{28A0092B-C50C-407E-A947-70E740481C1C}">
-                <a14:useLocalDpi xmlns:a14="http://schemas.microsoft.com/office/drawing/2010/main" val="0"/>
+                <a14:useLocalDpi xmlns:a14="http://schemas.microsoft.com/office/drawing/2010/main" xmlns="" val="0"/>
               </a:ext>
             </a:extLst>
           </a:blip>
@@ -4008,7 +4087,7 @@
           <p:cNvPr id="7" name="Picture 6">
             <a:extLst>
               <a:ext uri="{FF2B5EF4-FFF2-40B4-BE49-F238E27FC236}">
-                <a16:creationId xmlns:a16="http://schemas.microsoft.com/office/drawing/2014/main" id="{FAC23E88-10BE-B6A3-7F60-55518F017752}"/>
+                <a16:creationId xmlns:a16="http://schemas.microsoft.com/office/drawing/2014/main" xmlns="" id="{FAC23E88-10BE-B6A3-7F60-55518F017752}"/>
               </a:ext>
             </a:extLst>
           </p:cNvPr>
@@ -4021,7 +4100,7 @@
           <a:blip r:embed="rId4" cstate="print">
             <a:extLst>
               <a:ext uri="{28A0092B-C50C-407E-A947-70E740481C1C}">
-                <a14:useLocalDpi xmlns:a14="http://schemas.microsoft.com/office/drawing/2010/main" val="0"/>
+                <a14:useLocalDpi xmlns:a14="http://schemas.microsoft.com/office/drawing/2010/main" xmlns="" val="0"/>
               </a:ext>
             </a:extLst>
           </a:blip>
@@ -4044,7 +4123,7 @@
           <p:cNvPr id="9" name="Picture 8">
             <a:extLst>
               <a:ext uri="{FF2B5EF4-FFF2-40B4-BE49-F238E27FC236}">
-                <a16:creationId xmlns:a16="http://schemas.microsoft.com/office/drawing/2014/main" id="{82B30A74-4994-C251-A7EA-E4B6C435693E}"/>
+                <a16:creationId xmlns:a16="http://schemas.microsoft.com/office/drawing/2014/main" xmlns="" id="{82B30A74-4994-C251-A7EA-E4B6C435693E}"/>
               </a:ext>
             </a:extLst>
           </p:cNvPr>
@@ -4057,7 +4136,7 @@
           <a:blip r:embed="rId5">
             <a:extLst>
               <a:ext uri="{28A0092B-C50C-407E-A947-70E740481C1C}">
-                <a14:useLocalDpi xmlns:a14="http://schemas.microsoft.com/office/drawing/2010/main" val="0"/>
+                <a14:useLocalDpi xmlns:a14="http://schemas.microsoft.com/office/drawing/2010/main" xmlns="" val="0"/>
               </a:ext>
             </a:extLst>
           </a:blip>
@@ -4078,7 +4157,7 @@
     </p:spTree>
     <p:extLst>
       <p:ext uri="{BB962C8B-B14F-4D97-AF65-F5344CB8AC3E}">
-        <p14:creationId xmlns:p14="http://schemas.microsoft.com/office/powerpoint/2010/main" val="2272397442"/>
+        <p14:creationId xmlns:p14="http://schemas.microsoft.com/office/powerpoint/2010/main" xmlns="" val="2272397442"/>
       </p:ext>
     </p:extLst>
   </p:cSld>
@@ -4547,6 +4626,14 @@
                 <a:latin typeface="Trebuchet MS"/>
                 <a:cs typeface="Trebuchet MS"/>
               </a:rPr>
+              <a:pPr marL="38100">
+                <a:lnSpc>
+                  <a:spcPct val="100000"/>
+                </a:lnSpc>
+                <a:spcBef>
+                  <a:spcPts val="55"/>
+                </a:spcBef>
+              </a:pPr>
               <a:t>14</a:t>
             </a:fld>
             <a:endParaRPr sz="1100">
@@ -4561,7 +4648,7 @@
           <p:cNvPr id="11" name="TextBox 10">
             <a:extLst>
               <a:ext uri="{FF2B5EF4-FFF2-40B4-BE49-F238E27FC236}">
-                <a16:creationId xmlns:a16="http://schemas.microsoft.com/office/drawing/2014/main" id="{E5826CE7-B033-C61E-FC38-11FFB54DCF26}"/>
+                <a16:creationId xmlns:a16="http://schemas.microsoft.com/office/drawing/2014/main" xmlns="" id="{E5826CE7-B033-C61E-FC38-11FFB54DCF26}"/>
               </a:ext>
             </a:extLst>
           </p:cNvPr>
@@ -4571,7 +4658,7 @@
         <p:spPr>
           <a:xfrm>
             <a:off x="711834" y="926464"/>
-            <a:ext cx="8534400" cy="830997"/>
+            <a:ext cx="8534400" cy="338554"/>
           </a:xfrm>
           <a:prstGeom prst="rect">
             <a:avLst/>
@@ -4584,16 +4671,6 @@
           </a:bodyPr>
           <a:lstStyle/>
           <a:p>
-            <a:r>
-              <a:rPr lang="en-US" sz="1600" b="0" i="0" dirty="0">
-                <a:solidFill>
-                  <a:srgbClr val="0D0D0D"/>
-                </a:solidFill>
-                <a:effectLst/>
-                <a:latin typeface="Söhne"/>
-              </a:rPr>
-              <a:t>The development and implementation of the AI chatbot aimed at addressing financial crisis-related inquiries have yielded promising outcomes. Through rigorous design and iterative refinement, the chatbot now serves as a valuable resource for users navigating financial turmoil.</a:t>
-            </a:r>
             <a:endParaRPr lang="en-IN" sz="1600" dirty="0"/>
           </a:p>
         </p:txBody>
@@ -4603,7 +4680,7 @@
           <p:cNvPr id="13" name="TextBox 12">
             <a:extLst>
               <a:ext uri="{FF2B5EF4-FFF2-40B4-BE49-F238E27FC236}">
-                <a16:creationId xmlns:a16="http://schemas.microsoft.com/office/drawing/2014/main" id="{E11937C6-A1DF-EEDD-3E11-09201E893DFC}"/>
+                <a16:creationId xmlns:a16="http://schemas.microsoft.com/office/drawing/2014/main" xmlns="" id="{E11937C6-A1DF-EEDD-3E11-09201E893DFC}"/>
               </a:ext>
             </a:extLst>
           </p:cNvPr>
@@ -4612,8 +4689,8 @@
         </p:nvSpPr>
         <p:spPr>
           <a:xfrm>
-            <a:off x="646746" y="1721092"/>
-            <a:ext cx="9067800" cy="4339650"/>
+            <a:off x="646746" y="1000108"/>
+            <a:ext cx="9067800" cy="6186309"/>
           </a:xfrm>
           <a:prstGeom prst="rect">
             <a:avLst/>
@@ -4626,242 +4703,138 @@
           </a:bodyPr>
           <a:lstStyle/>
           <a:p>
-            <a:pPr algn="l">
-              <a:buFont typeface="+mj-lt"/>
-              <a:buAutoNum type="arabicPeriod"/>
-            </a:pPr>
-            <a:r>
-              <a:rPr lang="en-US" sz="1600" b="1" i="0" dirty="0">
+            <a:r>
+              <a:rPr lang="en-IN" dirty="0" smtClean="0">
                 <a:solidFill>
                   <a:srgbClr val="0D0D0D"/>
                 </a:solidFill>
-                <a:effectLst/>
                 <a:latin typeface="Söhne"/>
               </a:rPr>
-              <a:t>Enhanced User Engagement:</a:t>
-            </a:r>
-            <a:r>
-              <a:rPr lang="en-US" sz="1600" b="0" i="0" dirty="0">
+              <a:t>The </a:t>
+            </a:r>
+            <a:r>
+              <a:rPr lang="en-IN" dirty="0" smtClean="0">
                 <a:solidFill>
                   <a:srgbClr val="0D0D0D"/>
                 </a:solidFill>
-                <a:effectLst/>
                 <a:latin typeface="Söhne"/>
               </a:rPr>
-              <a:t> The chatbot has effectively engaged users by providing timely and relevant responses to their queries. The intuitive interface, coupled with personalized interactions, has fostered user trust and engagement.</a:t>
-            </a:r>
-          </a:p>
-          <a:p>
-            <a:pPr algn="l">
-              <a:buFont typeface="+mj-lt"/>
-              <a:buAutoNum type="arabicPeriod"/>
-            </a:pPr>
-            <a:r>
-              <a:rPr lang="en-US" sz="1600" b="1" i="0" dirty="0">
+              <a:t>project conclusion for a system that predicts personality from CVs and its impact on the hiring process could be summarized as follows</a:t>
+            </a:r>
+            <a:r>
+              <a:rPr lang="en-IN" dirty="0" smtClean="0">
                 <a:solidFill>
                   <a:srgbClr val="0D0D0D"/>
                 </a:solidFill>
-                <a:effectLst/>
                 <a:latin typeface="Söhne"/>
               </a:rPr>
-              <a:t>Improved Access to Information:</a:t>
-            </a:r>
-            <a:r>
-              <a:rPr lang="en-US" sz="1600" b="0" i="0" dirty="0">
-                <a:solidFill>
-                  <a:srgbClr val="0D0D0D"/>
-                </a:solidFill>
-                <a:effectLst/>
-                <a:latin typeface="Söhne"/>
-              </a:rPr>
-              <a:t> By offering a curated selection of resources and guidance, the chatbot has empowered users to make informed decisions during financial crises. Users can easily access articles, guides, and external resources tailored to their specific needs.</a:t>
-            </a:r>
-          </a:p>
-          <a:p>
-            <a:pPr algn="l">
-              <a:buFont typeface="+mj-lt"/>
-              <a:buAutoNum type="arabicPeriod"/>
-            </a:pPr>
-            <a:r>
-              <a:rPr lang="en-US" sz="1600" b="1" i="0" dirty="0">
-                <a:solidFill>
-                  <a:srgbClr val="0D0D0D"/>
-                </a:solidFill>
-                <a:effectLst/>
-                <a:latin typeface="Söhne"/>
-              </a:rPr>
-              <a:t>Streamlined Assistance:</a:t>
-            </a:r>
-            <a:r>
-              <a:rPr lang="en-US" sz="1600" b="0" i="0" dirty="0">
-                <a:solidFill>
-                  <a:srgbClr val="0D0D0D"/>
-                </a:solidFill>
-                <a:effectLst/>
-                <a:latin typeface="Söhne"/>
-              </a:rPr>
-              <a:t> The </a:t>
-            </a:r>
-            <a:r>
-              <a:rPr lang="en-US" sz="1600" dirty="0">
-                <a:solidFill>
-                  <a:srgbClr val="0D0D0D"/>
-                </a:solidFill>
-                <a:latin typeface="Söhne"/>
-              </a:rPr>
-              <a:t>website or web page</a:t>
-            </a:r>
-            <a:r>
-              <a:rPr lang="en-US" sz="1600" b="0" i="0" dirty="0">
-                <a:solidFill>
-                  <a:srgbClr val="0D0D0D"/>
-                </a:solidFill>
-                <a:effectLst/>
-                <a:latin typeface="Söhne"/>
-              </a:rPr>
-              <a:t>'s menu navigation and quick-reply options have streamlined the assistance process, allowing users to efficiently navigate through various topics and find solutions to their concerns.</a:t>
-            </a:r>
-          </a:p>
-          <a:p>
-            <a:pPr algn="l">
-              <a:buFont typeface="+mj-lt"/>
-              <a:buAutoNum type="arabicPeriod"/>
-            </a:pPr>
-            <a:r>
-              <a:rPr lang="en-US" sz="1600" b="1" i="0" dirty="0">
-                <a:solidFill>
-                  <a:srgbClr val="0D0D0D"/>
-                </a:solidFill>
-                <a:effectLst/>
-                <a:latin typeface="Söhne"/>
-              </a:rPr>
-              <a:t>Positive User Feedback:</a:t>
-            </a:r>
-            <a:r>
-              <a:rPr lang="en-US" sz="1600" b="0" i="0" dirty="0">
-                <a:solidFill>
-                  <a:srgbClr val="0D0D0D"/>
-                </a:solidFill>
-                <a:effectLst/>
-                <a:latin typeface="Söhne"/>
-              </a:rPr>
-              <a:t> Initial user feedback has been overwhelmingly positive, highlighting the </a:t>
-            </a:r>
-            <a:r>
-              <a:rPr lang="en-US" sz="1600" dirty="0">
-                <a:solidFill>
-                  <a:srgbClr val="0D0D0D"/>
-                </a:solidFill>
-                <a:latin typeface="Söhne"/>
-              </a:rPr>
-              <a:t>system</a:t>
-            </a:r>
-            <a:r>
-              <a:rPr lang="en-US" sz="1600" b="0" i="0" dirty="0">
-                <a:solidFill>
-                  <a:srgbClr val="0D0D0D"/>
-                </a:solidFill>
-                <a:effectLst/>
-                <a:latin typeface="Söhne"/>
-              </a:rPr>
-              <a:t>'s effectiveness in providing relevant information and support during challenging financial situations. Users appreciate the convenience and accessibility of the </a:t>
-            </a:r>
-            <a:r>
-              <a:rPr lang="en-US" sz="1600" dirty="0">
-                <a:solidFill>
-                  <a:srgbClr val="0D0D0D"/>
-                </a:solidFill>
-                <a:latin typeface="Söhne"/>
-              </a:rPr>
-              <a:t>software</a:t>
-            </a:r>
-            <a:r>
-              <a:rPr lang="en-US" sz="1600" b="0" i="0" dirty="0">
-                <a:solidFill>
-                  <a:srgbClr val="0D0D0D"/>
-                </a:solidFill>
-                <a:effectLst/>
-                <a:latin typeface="Söhne"/>
-              </a:rPr>
-              <a:t> interface.</a:t>
-            </a:r>
-          </a:p>
-          <a:p>
-            <a:pPr algn="l">
-              <a:buFont typeface="+mj-lt"/>
-              <a:buAutoNum type="arabicPeriod"/>
-            </a:pPr>
-            <a:r>
-              <a:rPr lang="en-US" sz="1600" b="1" i="0" dirty="0">
-                <a:solidFill>
-                  <a:srgbClr val="0D0D0D"/>
-                </a:solidFill>
-                <a:effectLst/>
-                <a:latin typeface="Söhne"/>
-              </a:rPr>
-              <a:t>Room for Growth:</a:t>
-            </a:r>
-            <a:r>
-              <a:rPr lang="en-US" sz="1600" b="0" i="0" dirty="0">
-                <a:solidFill>
-                  <a:srgbClr val="0D0D0D"/>
-                </a:solidFill>
-                <a:effectLst/>
-                <a:latin typeface="Söhne"/>
-              </a:rPr>
-              <a:t> While the chatbot has achieved significant success in its current iteration, there is still room for growth and improvement. Future iterations could focus on expanding the </a:t>
-            </a:r>
-            <a:r>
-              <a:rPr lang="en-US" sz="1600" dirty="0">
-                <a:solidFill>
-                  <a:srgbClr val="0D0D0D"/>
-                </a:solidFill>
-                <a:latin typeface="Söhne"/>
-              </a:rPr>
-              <a:t>system’</a:t>
-            </a:r>
-            <a:r>
-              <a:rPr lang="en-US" sz="1600" b="0" i="0" dirty="0">
-                <a:solidFill>
-                  <a:srgbClr val="0D0D0D"/>
-                </a:solidFill>
-                <a:effectLst/>
-                <a:latin typeface="Söhne"/>
-              </a:rPr>
-              <a:t>s capabilities, integrating more advanced natural language processing techniques, and enhancing the depth and breadth of available resources</a:t>
-            </a:r>
-            <a:r>
-              <a:rPr lang="en-US" b="0" i="0" dirty="0">
-                <a:solidFill>
-                  <a:srgbClr val="0D0D0D"/>
-                </a:solidFill>
-                <a:effectLst/>
-                <a:latin typeface="Söhne"/>
-              </a:rPr>
-              <a:t>.</a:t>
-            </a:r>
+              <a:t>:</a:t>
+            </a:r>
+          </a:p>
+          <a:p>
+            <a:endParaRPr lang="en-IN" dirty="0" smtClean="0">
+              <a:solidFill>
+                <a:srgbClr val="0D0D0D"/>
+              </a:solidFill>
+              <a:latin typeface="Söhne"/>
+            </a:endParaRPr>
+          </a:p>
+          <a:p>
+            <a:r>
+              <a:rPr lang="en-IN" b="1" dirty="0" smtClean="0"/>
+              <a:t>Enhanced Hiring Efficiency</a:t>
+            </a:r>
+            <a:r>
+              <a:rPr lang="en-IN" dirty="0" smtClean="0"/>
+              <a:t>: The system significantly streamlines the hiring process by providing recruiters with valuable insights into candidates' personalities directly from their CVs. This eliminates the need for extensive interviews or personality assessments, saving time and resources for both the hiring team and the candidates.</a:t>
+            </a:r>
+          </a:p>
+          <a:p>
+            <a:r>
+              <a:rPr lang="en-IN" b="1" dirty="0" smtClean="0"/>
+              <a:t>Improved Candidate Matching</a:t>
+            </a:r>
+            <a:r>
+              <a:rPr lang="en-IN" dirty="0" smtClean="0"/>
+              <a:t>: By leveraging personality prediction algorithms, the system facilitates better candidate-organization alignment. Recruiters can identify individuals whose personalities align with the company culture and job requirements more accurately, leading to higher job satisfaction and retention rates.</a:t>
+            </a:r>
+          </a:p>
+          <a:p>
+            <a:r>
+              <a:rPr lang="en-IN" b="1" dirty="0" smtClean="0"/>
+              <a:t>Reduced Bias</a:t>
+            </a:r>
+            <a:r>
+              <a:rPr lang="en-IN" dirty="0" smtClean="0"/>
+              <a:t>: Traditional hiring processes are prone to unconscious biases, which can result in discriminatory practices. By relying on objective data extracted from CVs, the system helps mitigate bias and promotes a fairer evaluation of candidates based on their skills, qualifications, and personality traits.</a:t>
+            </a:r>
+          </a:p>
+          <a:p>
+            <a:r>
+              <a:rPr lang="en-IN" b="1" dirty="0" smtClean="0"/>
+              <a:t>Predictive Insights</a:t>
+            </a:r>
+            <a:r>
+              <a:rPr lang="en-IN" dirty="0" smtClean="0"/>
+              <a:t>: The system offers predictive capabilities by analyzing historical data on successful hires and correlating them with personality traits. This enables recruiters to make data-driven decisions and forecast a candidate's potential performance and fit within the organization more accurately.</a:t>
+            </a:r>
+          </a:p>
+          <a:p>
+            <a:endParaRPr lang="en-IN" dirty="0" smtClean="0">
+              <a:solidFill>
+                <a:srgbClr val="0D0D0D"/>
+              </a:solidFill>
+              <a:latin typeface="Söhne"/>
+            </a:endParaRPr>
+          </a:p>
+          <a:p>
+            <a:endParaRPr lang="en-IN" dirty="0" smtClean="0">
+              <a:solidFill>
+                <a:srgbClr val="0D0D0D"/>
+              </a:solidFill>
+              <a:latin typeface="Söhne"/>
+            </a:endParaRPr>
           </a:p>
           <a:p>
             <a:endParaRPr lang="en-IN" dirty="0"/>
           </a:p>
         </p:txBody>
       </p:sp>
-      <p:sp>
-        <p:nvSpPr>
-          <p:cNvPr id="15" name="TextBox 14">
-            <a:extLst>
-              <a:ext uri="{FF2B5EF4-FFF2-40B4-BE49-F238E27FC236}">
-                <a16:creationId xmlns:a16="http://schemas.microsoft.com/office/drawing/2014/main" id="{305953A5-4A85-FF0D-4A9D-B88101CCF7A2}"/>
-              </a:ext>
-            </a:extLst>
-          </p:cNvPr>
+    </p:spTree>
+  </p:cSld>
+  <p:clrMapOvr>
+    <a:masterClrMapping/>
+  </p:clrMapOvr>
+</p:sld>
+</file>
+
+<file path=ppt/slides/slide15.xml><?xml version="1.0" encoding="utf-8"?>
+<p:sld xmlns:a="http://schemas.openxmlformats.org/drawingml/2006/main" xmlns:r="http://schemas.openxmlformats.org/officeDocument/2006/relationships" xmlns:p="http://schemas.openxmlformats.org/presentationml/2006/main">
+  <p:cSld>
+    <p:spTree>
+      <p:nvGrpSpPr>
+        <p:cNvPr id="1" name=""/>
+        <p:cNvGrpSpPr/>
+        <p:nvPr/>
+      </p:nvGrpSpPr>
+      <p:grpSpPr>
+        <a:xfrm>
+          <a:off x="0" y="0"/>
+          <a:ext cx="0" cy="0"/>
+          <a:chOff x="0" y="0"/>
+          <a:chExt cx="0" cy="0"/>
+        </a:xfrm>
+      </p:grpSpPr>
+      <p:sp>
+        <p:nvSpPr>
+          <p:cNvPr id="2" name="TextBox 1"/>
           <p:cNvSpPr txBox="1"/>
           <p:nvPr/>
         </p:nvSpPr>
         <p:spPr>
           <a:xfrm>
-            <a:off x="579117" y="5931536"/>
-            <a:ext cx="6100762" cy="369332"/>
+            <a:off x="809588" y="714356"/>
+            <a:ext cx="8358246" cy="4247317"/>
           </a:xfrm>
           <a:prstGeom prst="rect">
             <a:avLst/>
@@ -4869,15 +4842,82 @@
           <a:noFill/>
         </p:spPr>
         <p:txBody>
-          <a:bodyPr wrap="square">
+          <a:bodyPr wrap="square" rtlCol="0">
             <a:spAutoFit/>
           </a:bodyPr>
           <a:lstStyle/>
           <a:p>
             <a:r>
-              <a:rPr lang="en-IN" dirty="0"/>
+              <a:rPr lang="en-IN" b="1" dirty="0" smtClean="0"/>
+              <a:t>Cost Savings</a:t>
+            </a:r>
+            <a:r>
+              <a:rPr lang="en-IN" dirty="0" smtClean="0"/>
+              <a:t>: With a more efficient and effective hiring process, organizations can realize significant cost savings associated with reduced recruitment time, decreased turnover rates, and improved productivity resulting from better employee-organization fit.</a:t>
+            </a:r>
+          </a:p>
+          <a:p>
+            <a:r>
+              <a:rPr lang="en-IN" b="1" dirty="0" smtClean="0"/>
+              <a:t>Continuous Improvement</a:t>
+            </a:r>
+            <a:r>
+              <a:rPr lang="en-IN" dirty="0" smtClean="0"/>
+              <a:t>: Continuous monitoring and refinement of the system ensure that it evolves with changing hiring trends and organizational needs. Regular updates based on feedback and performance metrics ensure its relevance and effectiveness in the long run</a:t>
+            </a:r>
+            <a:r>
+              <a:rPr lang="en-IN" dirty="0" smtClean="0"/>
+              <a:t>.</a:t>
+            </a:r>
+          </a:p>
+          <a:p>
+            <a:endParaRPr lang="en-IN" dirty="0" smtClean="0"/>
+          </a:p>
+          <a:p>
+            <a:r>
+              <a:rPr lang="en-IN" dirty="0" smtClean="0"/>
+              <a:t>In conclusion, the system that predicts personality from CVs revolutionizes the hiring process by providing recruiters with actionable insights, enhancing efficiency, reducing bias, and ultimately leading to better candidate-organization matches and improved business outcomes.</a:t>
+            </a:r>
+          </a:p>
+          <a:p>
+            <a:r>
+              <a:rPr lang="en-IN" dirty="0" smtClean="0"/>
+              <a:t/>
+            </a:r>
+            <a:br>
+              <a:rPr lang="en-IN" dirty="0" smtClean="0"/>
+            </a:br>
+            <a:endParaRPr lang="en-IN" dirty="0"/>
+          </a:p>
+        </p:txBody>
+      </p:sp>
+      <p:sp>
+        <p:nvSpPr>
+          <p:cNvPr id="3" name="TextBox 2"/>
+          <p:cNvSpPr txBox="1"/>
+          <p:nvPr/>
+        </p:nvSpPr>
+        <p:spPr>
+          <a:xfrm>
+            <a:off x="952464" y="5643578"/>
+            <a:ext cx="7143800" cy="369332"/>
+          </a:xfrm>
+          <a:prstGeom prst="rect">
+            <a:avLst/>
+          </a:prstGeom>
+          <a:noFill/>
+        </p:spPr>
+        <p:txBody>
+          <a:bodyPr wrap="square" rtlCol="0">
+            <a:spAutoFit/>
+          </a:bodyPr>
+          <a:lstStyle/>
+          <a:p>
+            <a:r>
+              <a:rPr lang="en-IN" dirty="0" smtClean="0"/>
               <a:t>https://github.com/MONICASHREEJA/TNSDC_Generative-AI</a:t>
             </a:r>
+            <a:endParaRPr lang="en-IN" dirty="0"/>
           </a:p>
         </p:txBody>
       </p:sp>
@@ -5927,6 +5967,14 @@
             </a:pPr>
             <a:fld id="{81D60167-4931-47E6-BA6A-407CBD079E47}" type="slidenum">
               <a:rPr spc="10" dirty="0"/>
+              <a:pPr marL="38100">
+                <a:lnSpc>
+                  <a:spcPct val="100000"/>
+                </a:lnSpc>
+                <a:spcBef>
+                  <a:spcPts val="55"/>
+                </a:spcBef>
+              </a:pPr>
               <a:t>2</a:t>
             </a:fld>
             <a:endParaRPr spc="10" dirty="0"/>
@@ -7164,6 +7212,14 @@
             </a:pPr>
             <a:fld id="{81D60167-4931-47E6-BA6A-407CBD079E47}" type="slidenum">
               <a:rPr spc="10" dirty="0"/>
+              <a:pPr marL="38100">
+                <a:lnSpc>
+                  <a:spcPct val="100000"/>
+                </a:lnSpc>
+                <a:spcBef>
+                  <a:spcPts val="55"/>
+                </a:spcBef>
+              </a:pPr>
               <a:t>3</a:t>
             </a:fld>
             <a:endParaRPr spc="10" dirty="0"/>
@@ -7809,6 +7865,14 @@
             </a:pPr>
             <a:fld id="{81D60167-4931-47E6-BA6A-407CBD079E47}" type="slidenum">
               <a:rPr spc="10" dirty="0"/>
+              <a:pPr marL="38100">
+                <a:lnSpc>
+                  <a:spcPct val="100000"/>
+                </a:lnSpc>
+                <a:spcBef>
+                  <a:spcPts val="55"/>
+                </a:spcBef>
+              </a:pPr>
               <a:t>4</a:t>
             </a:fld>
             <a:endParaRPr spc="10" dirty="0"/>
@@ -8348,6 +8412,14 @@
             </a:pPr>
             <a:fld id="{81D60167-4931-47E6-BA6A-407CBD079E47}" type="slidenum">
               <a:rPr spc="10" dirty="0"/>
+              <a:pPr marL="38100">
+                <a:lnSpc>
+                  <a:spcPct val="100000"/>
+                </a:lnSpc>
+                <a:spcBef>
+                  <a:spcPts val="55"/>
+                </a:spcBef>
+              </a:pPr>
               <a:t>5</a:t>
             </a:fld>
             <a:endParaRPr spc="10" dirty="0"/>
@@ -8359,7 +8431,7 @@
           <p:cNvPr id="13" name="TextBox 12">
             <a:extLst>
               <a:ext uri="{FF2B5EF4-FFF2-40B4-BE49-F238E27FC236}">
-                <a16:creationId xmlns:a16="http://schemas.microsoft.com/office/drawing/2014/main" id="{CFC53D59-5281-25ED-2E25-49A3BE98F862}"/>
+                <a16:creationId xmlns:a16="http://schemas.microsoft.com/office/drawing/2014/main" xmlns="" id="{CFC53D59-5281-25ED-2E25-49A3BE98F862}"/>
               </a:ext>
             </a:extLst>
           </p:cNvPr>
@@ -8470,7 +8542,7 @@
           <p:cNvPr id="3" name="TextBox 2">
             <a:extLst>
               <a:ext uri="{FF2B5EF4-FFF2-40B4-BE49-F238E27FC236}">
-                <a16:creationId xmlns:a16="http://schemas.microsoft.com/office/drawing/2014/main" id="{B010B807-F94B-9884-EA88-AD3A2C980077}"/>
+                <a16:creationId xmlns:a16="http://schemas.microsoft.com/office/drawing/2014/main" xmlns="" id="{B010B807-F94B-9884-EA88-AD3A2C980077}"/>
               </a:ext>
             </a:extLst>
           </p:cNvPr>
@@ -8664,7 +8736,7 @@
     </p:spTree>
     <p:extLst>
       <p:ext uri="{BB962C8B-B14F-4D97-AF65-F5344CB8AC3E}">
-        <p14:creationId xmlns:p14="http://schemas.microsoft.com/office/powerpoint/2010/main" val="3016159706"/>
+        <p14:creationId xmlns:p14="http://schemas.microsoft.com/office/powerpoint/2010/main" xmlns="" val="3016159706"/>
       </p:ext>
     </p:extLst>
   </p:cSld>
@@ -9187,6 +9259,14 @@
             </a:pPr>
             <a:fld id="{81D60167-4931-47E6-BA6A-407CBD079E47}" type="slidenum">
               <a:rPr spc="10" dirty="0"/>
+              <a:pPr marL="38100">
+                <a:lnSpc>
+                  <a:spcPct val="100000"/>
+                </a:lnSpc>
+                <a:spcBef>
+                  <a:spcPts val="55"/>
+                </a:spcBef>
+              </a:pPr>
               <a:t>7</a:t>
             </a:fld>
             <a:endParaRPr spc="10" dirty="0"/>
@@ -9324,7 +9404,7 @@
           <p:cNvPr id="2" name="TextBox 1">
             <a:extLst>
               <a:ext uri="{FF2B5EF4-FFF2-40B4-BE49-F238E27FC236}">
-                <a16:creationId xmlns:a16="http://schemas.microsoft.com/office/drawing/2014/main" id="{0859225B-E2AC-01C2-1527-A0BC7A59CC97}"/>
+                <a16:creationId xmlns:a16="http://schemas.microsoft.com/office/drawing/2014/main" xmlns="" id="{0859225B-E2AC-01C2-1527-A0BC7A59CC97}"/>
               </a:ext>
             </a:extLst>
           </p:cNvPr>
@@ -9409,7 +9489,7 @@
     </p:spTree>
     <p:extLst>
       <p:ext uri="{BB962C8B-B14F-4D97-AF65-F5344CB8AC3E}">
-        <p14:creationId xmlns:p14="http://schemas.microsoft.com/office/powerpoint/2010/main" val="3776221685"/>
+        <p14:creationId xmlns:p14="http://schemas.microsoft.com/office/powerpoint/2010/main" xmlns="" val="3776221685"/>
       </p:ext>
     </p:extLst>
   </p:cSld>
@@ -10021,6 +10101,14 @@
             </a:pPr>
             <a:fld id="{81D60167-4931-47E6-BA6A-407CBD079E47}" type="slidenum">
               <a:rPr spc="10" dirty="0"/>
+              <a:pPr marL="38100">
+                <a:lnSpc>
+                  <a:spcPct val="100000"/>
+                </a:lnSpc>
+                <a:spcBef>
+                  <a:spcPts val="55"/>
+                </a:spcBef>
+              </a:pPr>
               <a:t>9</a:t>
             </a:fld>
             <a:endParaRPr spc="10" dirty="0"/>
@@ -10062,7 +10150,7 @@
           <p:cNvPr id="10" name="TextBox 9">
             <a:extLst>
               <a:ext uri="{FF2B5EF4-FFF2-40B4-BE49-F238E27FC236}">
-                <a16:creationId xmlns:a16="http://schemas.microsoft.com/office/drawing/2014/main" id="{52594383-0278-6825-7835-1AB2F437FC98}"/>
+                <a16:creationId xmlns:a16="http://schemas.microsoft.com/office/drawing/2014/main" xmlns="" id="{52594383-0278-6825-7835-1AB2F437FC98}"/>
               </a:ext>
             </a:extLst>
           </p:cNvPr>
